--- a/_projects/SCOrthoses/Illus.pptx
+++ b/_projects/SCOrthoses/Illus.pptx
@@ -107,6 +107,11 @@
       </a:defRPr>
     </a:lvl9pPr>
   </p:defaultTextStyle>
+  <p:extLst>
+    <p:ext uri="{EFAFB233-063F-42B5-8137-9DF3F51BA10A}">
+      <p15:sldGuideLst xmlns:p15="http://schemas.microsoft.com/office/powerpoint/2012/main"/>
+    </p:ext>
+  </p:extLst>
 </p:presentation>
 </file>
 
@@ -241,7 +246,7 @@
           <a:p>
             <a:fld id="{AC4669A4-A959-40E4-B8F6-2E9C4E5053FA}" type="datetimeFigureOut">
               <a:rPr lang="en-IN" smtClean="0"/>
-              <a:t>06-07-2018</a:t>
+              <a:t>16-12-2018</a:t>
             </a:fld>
             <a:endParaRPr lang="en-IN"/>
           </a:p>
@@ -411,7 +416,7 @@
           <a:p>
             <a:fld id="{AC4669A4-A959-40E4-B8F6-2E9C4E5053FA}" type="datetimeFigureOut">
               <a:rPr lang="en-IN" smtClean="0"/>
-              <a:t>06-07-2018</a:t>
+              <a:t>16-12-2018</a:t>
             </a:fld>
             <a:endParaRPr lang="en-IN"/>
           </a:p>
@@ -591,7 +596,7 @@
           <a:p>
             <a:fld id="{AC4669A4-A959-40E4-B8F6-2E9C4E5053FA}" type="datetimeFigureOut">
               <a:rPr lang="en-IN" smtClean="0"/>
-              <a:t>06-07-2018</a:t>
+              <a:t>16-12-2018</a:t>
             </a:fld>
             <a:endParaRPr lang="en-IN"/>
           </a:p>
@@ -761,7 +766,7 @@
           <a:p>
             <a:fld id="{AC4669A4-A959-40E4-B8F6-2E9C4E5053FA}" type="datetimeFigureOut">
               <a:rPr lang="en-IN" smtClean="0"/>
-              <a:t>06-07-2018</a:t>
+              <a:t>16-12-2018</a:t>
             </a:fld>
             <a:endParaRPr lang="en-IN"/>
           </a:p>
@@ -1007,7 +1012,7 @@
           <a:p>
             <a:fld id="{AC4669A4-A959-40E4-B8F6-2E9C4E5053FA}" type="datetimeFigureOut">
               <a:rPr lang="en-IN" smtClean="0"/>
-              <a:t>06-07-2018</a:t>
+              <a:t>16-12-2018</a:t>
             </a:fld>
             <a:endParaRPr lang="en-IN"/>
           </a:p>
@@ -1239,7 +1244,7 @@
           <a:p>
             <a:fld id="{AC4669A4-A959-40E4-B8F6-2E9C4E5053FA}" type="datetimeFigureOut">
               <a:rPr lang="en-IN" smtClean="0"/>
-              <a:t>06-07-2018</a:t>
+              <a:t>16-12-2018</a:t>
             </a:fld>
             <a:endParaRPr lang="en-IN"/>
           </a:p>
@@ -1606,7 +1611,7 @@
           <a:p>
             <a:fld id="{AC4669A4-A959-40E4-B8F6-2E9C4E5053FA}" type="datetimeFigureOut">
               <a:rPr lang="en-IN" smtClean="0"/>
-              <a:t>06-07-2018</a:t>
+              <a:t>16-12-2018</a:t>
             </a:fld>
             <a:endParaRPr lang="en-IN"/>
           </a:p>
@@ -1724,7 +1729,7 @@
           <a:p>
             <a:fld id="{AC4669A4-A959-40E4-B8F6-2E9C4E5053FA}" type="datetimeFigureOut">
               <a:rPr lang="en-IN" smtClean="0"/>
-              <a:t>06-07-2018</a:t>
+              <a:t>16-12-2018</a:t>
             </a:fld>
             <a:endParaRPr lang="en-IN"/>
           </a:p>
@@ -1819,7 +1824,7 @@
           <a:p>
             <a:fld id="{AC4669A4-A959-40E4-B8F6-2E9C4E5053FA}" type="datetimeFigureOut">
               <a:rPr lang="en-IN" smtClean="0"/>
-              <a:t>06-07-2018</a:t>
+              <a:t>16-12-2018</a:t>
             </a:fld>
             <a:endParaRPr lang="en-IN"/>
           </a:p>
@@ -2096,7 +2101,7 @@
           <a:p>
             <a:fld id="{AC4669A4-A959-40E4-B8F6-2E9C4E5053FA}" type="datetimeFigureOut">
               <a:rPr lang="en-IN" smtClean="0"/>
-              <a:t>06-07-2018</a:t>
+              <a:t>16-12-2018</a:t>
             </a:fld>
             <a:endParaRPr lang="en-IN"/>
           </a:p>
@@ -2353,7 +2358,7 @@
           <a:p>
             <a:fld id="{AC4669A4-A959-40E4-B8F6-2E9C4E5053FA}" type="datetimeFigureOut">
               <a:rPr lang="en-IN" smtClean="0"/>
-              <a:t>06-07-2018</a:t>
+              <a:t>16-12-2018</a:t>
             </a:fld>
             <a:endParaRPr lang="en-IN"/>
           </a:p>
@@ -2566,7 +2571,7 @@
           <a:p>
             <a:fld id="{AC4669A4-A959-40E4-B8F6-2E9C4E5053FA}" type="datetimeFigureOut">
               <a:rPr lang="en-IN" smtClean="0"/>
-              <a:t>06-07-2018</a:t>
+              <a:t>16-12-2018</a:t>
             </a:fld>
             <a:endParaRPr lang="en-IN"/>
           </a:p>
